--- a/CalendarioAgo23/Presentaciones/3_ModeloOSI_R.pptx
+++ b/CalendarioAgo23/Presentaciones/3_ModeloOSI_R.pptx
@@ -237,7 +237,7 @@
           <a:p>
             <a:fld id="{2D445F07-8756-451B-A938-0248325FC7BB}" type="datetimeFigureOut">
               <a:rPr lang="es-MX" smtClean="0"/>
-              <a:t>15/05/2023</a:t>
+              <a:t>30/10/2023</a:t>
             </a:fld>
             <a:endParaRPr lang="es-MX" dirty="0"/>
           </a:p>
@@ -2963,7 +2963,7 @@
           <a:p>
             <a:fld id="{5E75A0DC-66C6-4CEC-A5EB-F8C97CEC3796}" type="datetimeFigureOut">
               <a:rPr lang="es-MX" smtClean="0"/>
-              <a:t>15/05/2023</a:t>
+              <a:t>30/10/2023</a:t>
             </a:fld>
             <a:endParaRPr lang="es-MX" dirty="0"/>
           </a:p>
@@ -3133,7 +3133,7 @@
           <a:p>
             <a:fld id="{5E75A0DC-66C6-4CEC-A5EB-F8C97CEC3796}" type="datetimeFigureOut">
               <a:rPr lang="es-MX" smtClean="0"/>
-              <a:t>15/05/2023</a:t>
+              <a:t>30/10/2023</a:t>
             </a:fld>
             <a:endParaRPr lang="es-MX" dirty="0"/>
           </a:p>
@@ -3313,7 +3313,7 @@
           <a:p>
             <a:fld id="{5E75A0DC-66C6-4CEC-A5EB-F8C97CEC3796}" type="datetimeFigureOut">
               <a:rPr lang="es-MX" smtClean="0"/>
-              <a:t>15/05/2023</a:t>
+              <a:t>30/10/2023</a:t>
             </a:fld>
             <a:endParaRPr lang="es-MX" dirty="0"/>
           </a:p>
@@ -3788,7 +3788,7 @@
           <a:p>
             <a:fld id="{5E75A0DC-66C6-4CEC-A5EB-F8C97CEC3796}" type="datetimeFigureOut">
               <a:rPr lang="es-MX" smtClean="0"/>
-              <a:t>15/05/2023</a:t>
+              <a:t>30/10/2023</a:t>
             </a:fld>
             <a:endParaRPr lang="es-MX" dirty="0"/>
           </a:p>
@@ -4034,7 +4034,7 @@
           <a:p>
             <a:fld id="{5E75A0DC-66C6-4CEC-A5EB-F8C97CEC3796}" type="datetimeFigureOut">
               <a:rPr lang="es-MX" smtClean="0"/>
-              <a:t>15/05/2023</a:t>
+              <a:t>30/10/2023</a:t>
             </a:fld>
             <a:endParaRPr lang="es-MX" dirty="0"/>
           </a:p>
@@ -4322,7 +4322,7 @@
           <a:p>
             <a:fld id="{5E75A0DC-66C6-4CEC-A5EB-F8C97CEC3796}" type="datetimeFigureOut">
               <a:rPr lang="es-MX" smtClean="0"/>
-              <a:t>15/05/2023</a:t>
+              <a:t>30/10/2023</a:t>
             </a:fld>
             <a:endParaRPr lang="es-MX" dirty="0"/>
           </a:p>
@@ -4744,7 +4744,7 @@
           <a:p>
             <a:fld id="{5E75A0DC-66C6-4CEC-A5EB-F8C97CEC3796}" type="datetimeFigureOut">
               <a:rPr lang="es-MX" smtClean="0"/>
-              <a:t>15/05/2023</a:t>
+              <a:t>30/10/2023</a:t>
             </a:fld>
             <a:endParaRPr lang="es-MX" dirty="0"/>
           </a:p>
@@ -4862,7 +4862,7 @@
           <a:p>
             <a:fld id="{5E75A0DC-66C6-4CEC-A5EB-F8C97CEC3796}" type="datetimeFigureOut">
               <a:rPr lang="es-MX" smtClean="0"/>
-              <a:t>15/05/2023</a:t>
+              <a:t>30/10/2023</a:t>
             </a:fld>
             <a:endParaRPr lang="es-MX" dirty="0"/>
           </a:p>
@@ -4957,7 +4957,7 @@
           <a:p>
             <a:fld id="{5E75A0DC-66C6-4CEC-A5EB-F8C97CEC3796}" type="datetimeFigureOut">
               <a:rPr lang="es-MX" smtClean="0"/>
-              <a:t>15/05/2023</a:t>
+              <a:t>30/10/2023</a:t>
             </a:fld>
             <a:endParaRPr lang="es-MX" dirty="0"/>
           </a:p>
@@ -5234,7 +5234,7 @@
           <a:p>
             <a:fld id="{5E75A0DC-66C6-4CEC-A5EB-F8C97CEC3796}" type="datetimeFigureOut">
               <a:rPr lang="es-MX" smtClean="0"/>
-              <a:t>15/05/2023</a:t>
+              <a:t>30/10/2023</a:t>
             </a:fld>
             <a:endParaRPr lang="es-MX" dirty="0"/>
           </a:p>
@@ -5487,7 +5487,7 @@
           <a:p>
             <a:fld id="{5E75A0DC-66C6-4CEC-A5EB-F8C97CEC3796}" type="datetimeFigureOut">
               <a:rPr lang="es-MX" smtClean="0"/>
-              <a:t>15/05/2023</a:t>
+              <a:t>30/10/2023</a:t>
             </a:fld>
             <a:endParaRPr lang="es-MX" dirty="0"/>
           </a:p>
@@ -5700,7 +5700,7 @@
           <a:p>
             <a:fld id="{5E75A0DC-66C6-4CEC-A5EB-F8C97CEC3796}" type="datetimeFigureOut">
               <a:rPr lang="es-MX" smtClean="0"/>
-              <a:t>15/05/2023</a:t>
+              <a:t>30/10/2023</a:t>
             </a:fld>
             <a:endParaRPr lang="es-MX" dirty="0"/>
           </a:p>
@@ -8523,7 +8523,7 @@
         <p:spPr>
           <a:xfrm>
             <a:off x="827584" y="1084290"/>
-            <a:ext cx="2376264" cy="412934"/>
+            <a:ext cx="3528392" cy="414024"/>
           </a:xfrm>
           <a:prstGeom prst="rect">
             <a:avLst/>
@@ -8549,16 +8549,63 @@
                 </a:solidFill>
                 <a:latin typeface="Calibri" panose="020F0502020204030204" pitchFamily="34" charset="0"/>
               </a:rPr>
-              <a:t>SSH</a:t>
-            </a:r>
-            <a:endParaRPr lang="es-MX" sz="2400" dirty="0">
-              <a:solidFill>
-                <a:schemeClr val="bg2">
-                  <a:lumMod val="25000"/>
-                </a:schemeClr>
-              </a:solidFill>
-              <a:latin typeface="Calibri" panose="020F0502020204030204" pitchFamily="34" charset="0"/>
-            </a:endParaRPr>
+              <a:t>SSH </a:t>
+            </a:r>
+            <a:r>
+              <a:rPr lang="es-MX" sz="2400" dirty="0">
+                <a:solidFill>
+                  <a:schemeClr val="accent5">
+                    <a:lumMod val="75000"/>
+                  </a:schemeClr>
+                </a:solidFill>
+                <a:latin typeface="Calibri" panose="020F0502020204030204" pitchFamily="34" charset="0"/>
+              </a:rPr>
+              <a:t>(</a:t>
+            </a:r>
+            <a:r>
+              <a:rPr lang="es-MX" sz="2400" dirty="0" err="1">
+                <a:solidFill>
+                  <a:schemeClr val="accent5">
+                    <a:lumMod val="75000"/>
+                  </a:schemeClr>
+                </a:solidFill>
+                <a:latin typeface="Calibri" panose="020F0502020204030204" pitchFamily="34" charset="0"/>
+              </a:rPr>
+              <a:t>Secure</a:t>
+            </a:r>
+            <a:r>
+              <a:rPr lang="es-MX" sz="2400" dirty="0">
+                <a:solidFill>
+                  <a:schemeClr val="accent5">
+                    <a:lumMod val="75000"/>
+                  </a:schemeClr>
+                </a:solidFill>
+                <a:latin typeface="Calibri" panose="020F0502020204030204" pitchFamily="34" charset="0"/>
+              </a:rPr>
+              <a:t> </a:t>
+            </a:r>
+            <a:r>
+              <a:rPr lang="es-MX" sz="2400" dirty="0" err="1">
+                <a:solidFill>
+                  <a:schemeClr val="accent5">
+                    <a:lumMod val="75000"/>
+                  </a:schemeClr>
+                </a:solidFill>
+                <a:latin typeface="Calibri" panose="020F0502020204030204" pitchFamily="34" charset="0"/>
+              </a:rPr>
+              <a:t>SHell</a:t>
+            </a:r>
+            <a:r>
+              <a:rPr lang="es-MX" sz="2400" dirty="0">
+                <a:solidFill>
+                  <a:schemeClr val="accent5">
+                    <a:lumMod val="75000"/>
+                  </a:schemeClr>
+                </a:solidFill>
+                <a:latin typeface="Calibri" panose="020F0502020204030204" pitchFamily="34" charset="0"/>
+              </a:rPr>
+              <a:t>)</a:t>
+            </a:r>
           </a:p>
         </p:txBody>
       </p:sp>
@@ -27182,7 +27229,7 @@
         </p:nvSpPr>
         <p:spPr bwMode="auto">
           <a:xfrm>
-            <a:off x="891480" y="1857375"/>
+            <a:off x="675455" y="1925166"/>
             <a:ext cx="8145016" cy="1477328"/>
           </a:xfrm>
           <a:prstGeom prst="rect">
